--- a/My Favorite New T-SQL in SQL Server 2022/My Favorite New T-SQL in SQL Server 2022_RIDPUG_02082023.pptx
+++ b/My Favorite New T-SQL in SQL Server 2022/My Favorite New T-SQL in SQL Server 2022_RIDPUG_02082023.pptx
@@ -233,7 +233,7 @@
           <a:p>
             <a:fld id="{0435FDB1-901F-41B4-931C-72A821AA9823}" type="datetimeFigureOut">
               <a:rPr lang="en-US" smtClean="0"/>
-              <a:t>2/8/2023</a:t>
+              <a:t>2/9/2023</a:t>
             </a:fld>
             <a:endParaRPr lang="en-US" dirty="0"/>
           </a:p>
@@ -398,7 +398,7 @@
           <a:p>
             <a:fld id="{69A383FE-65DE-43A9-9A81-115515F5471C}" type="datetimeFigureOut">
               <a:rPr lang="en-US" smtClean="0"/>
-              <a:t>2/8/2023</a:t>
+              <a:t>2/9/2023</a:t>
             </a:fld>
             <a:endParaRPr lang="en-US"/>
           </a:p>
@@ -6961,7 +6961,37 @@
             </a:r>
           </a:p>
           <a:p>
-            <a:endParaRPr lang="en-US" sz="2800" dirty="0">
+            <a:r>
+              <a:rPr lang="en-US" sz="2800" dirty="0">
+                <a:solidFill>
+                  <a:schemeClr val="accent1"/>
+                </a:solidFill>
+              </a:rPr>
+              <a:t>SQL Server 2022 adds:</a:t>
+            </a:r>
+          </a:p>
+          <a:p>
+            <a:pPr lvl="1"/>
+            <a:r>
+              <a:rPr lang="en-US" sz="2600" dirty="0">
+                <a:solidFill>
+                  <a:schemeClr val="accent1"/>
+                </a:solidFill>
+              </a:rPr>
+              <a:t>IGNORE_NULLS</a:t>
+            </a:r>
+          </a:p>
+          <a:p>
+            <a:pPr lvl="1"/>
+            <a:r>
+              <a:rPr lang="en-US" sz="2600">
+                <a:solidFill>
+                  <a:schemeClr val="accent1"/>
+                </a:solidFill>
+              </a:rPr>
+              <a:t>RESPECT_NULLS</a:t>
+            </a:r>
+            <a:endParaRPr lang="en-US" sz="2600" dirty="0">
               <a:solidFill>
                 <a:schemeClr val="accent1"/>
               </a:solidFill>
